--- a/Slides/Razor_01.pptx
+++ b/Slides/Razor_01.pptx
@@ -8,7 +8,7 @@
     <p:sldMasterId id="2147483723" r:id="rId4"/>
   </p:sldMasterIdLst>
   <p:notesMasterIdLst>
-    <p:notesMasterId r:id="rId35"/>
+    <p:notesMasterId r:id="rId34"/>
   </p:notesMasterIdLst>
   <p:sldIdLst>
     <p:sldId id="256" r:id="rId5"/>
@@ -38,49 +38,48 @@
     <p:sldId id="277" r:id="rId29"/>
     <p:sldId id="278" r:id="rId30"/>
     <p:sldId id="279" r:id="rId31"/>
-    <p:sldId id="281" r:id="rId32"/>
-    <p:sldId id="282" r:id="rId33"/>
-    <p:sldId id="284" r:id="rId34"/>
+    <p:sldId id="282" r:id="rId32"/>
+    <p:sldId id="284" r:id="rId33"/>
   </p:sldIdLst>
   <p:sldSz cx="12192000" cy="6858000"/>
   <p:notesSz cx="6858000" cy="9144000"/>
   <p:embeddedFontLst>
     <p:embeddedFont>
       <p:font typeface="Calibri" panose="020F0502020204030204" pitchFamily="34" charset="0"/>
-      <p:regular r:id="rId36"/>
-      <p:bold r:id="rId37"/>
-      <p:italic r:id="rId38"/>
-      <p:boldItalic r:id="rId39"/>
+      <p:regular r:id="rId35"/>
+      <p:bold r:id="rId36"/>
+      <p:italic r:id="rId37"/>
+      <p:boldItalic r:id="rId38"/>
     </p:embeddedFont>
     <p:embeddedFont>
       <p:font typeface="Consolas" panose="020B0609020204030204" pitchFamily="49" charset="0"/>
-      <p:regular r:id="rId40"/>
-      <p:bold r:id="rId41"/>
-      <p:italic r:id="rId42"/>
-      <p:boldItalic r:id="rId43"/>
+      <p:regular r:id="rId39"/>
+      <p:bold r:id="rId40"/>
+      <p:italic r:id="rId41"/>
+      <p:boldItalic r:id="rId42"/>
     </p:embeddedFont>
     <p:embeddedFont>
       <p:font typeface="Lucida Sans Unicode" panose="020B0602030504020204" pitchFamily="34" charset="0"/>
-      <p:regular r:id="rId44"/>
+      <p:regular r:id="rId43"/>
     </p:embeddedFont>
     <p:embeddedFont>
       <p:font typeface="Segoe UI" panose="020B0502040204020203" pitchFamily="34" charset="0"/>
-      <p:regular r:id="rId45"/>
-      <p:bold r:id="rId46"/>
-      <p:italic r:id="rId47"/>
-      <p:boldItalic r:id="rId48"/>
+      <p:regular r:id="rId44"/>
+      <p:bold r:id="rId45"/>
+      <p:italic r:id="rId46"/>
+      <p:boldItalic r:id="rId47"/>
     </p:embeddedFont>
     <p:embeddedFont>
       <p:font typeface="Segoe UI Light" panose="020B0502040204020203" pitchFamily="34" charset="0"/>
-      <p:regular r:id="rId49"/>
-      <p:italic r:id="rId50"/>
+      <p:regular r:id="rId48"/>
+      <p:italic r:id="rId49"/>
     </p:embeddedFont>
     <p:embeddedFont>
       <p:font typeface="Verdana" panose="020B0604030504040204" pitchFamily="34" charset="0"/>
-      <p:regular r:id="rId51"/>
-      <p:bold r:id="rId52"/>
-      <p:italic r:id="rId53"/>
-      <p:boldItalic r:id="rId54"/>
+      <p:regular r:id="rId50"/>
+      <p:bold r:id="rId51"/>
+      <p:italic r:id="rId52"/>
+      <p:boldItalic r:id="rId53"/>
     </p:embeddedFont>
   </p:embeddedFontLst>
   <p:defaultTextStyle>
@@ -293,7 +292,7 @@
           <a:p>
             <a:fld id="{E249B4D5-EB9E-4CD5-B68A-8ADCACC76EF8}" type="datetimeFigureOut">
               <a:rPr lang="en-US" smtClean="0"/>
-              <a:t>11/14/2021</a:t>
+              <a:t>1/18/2022</a:t>
             </a:fld>
             <a:endParaRPr lang="en-US"/>
           </a:p>
@@ -3751,7 +3750,7 @@
                 <a:ea typeface="Calibri"/>
                 <a:cs typeface="Times New Roman"/>
               </a:rPr>
-              <a:t>Question</a:t>
+              <a:t>Review Questions</a:t>
             </a:r>
             <a:endParaRPr lang="en-US" sz="1000" dirty="0">
               <a:latin typeface="Arial"/>
@@ -3769,30 +3768,12 @@
               </a:spcAft>
             </a:pPr>
             <a:r>
-              <a:rPr lang="en-US" sz="1000" dirty="0">
-                <a:latin typeface="Arial"/>
-                <a:ea typeface="Calibri"/>
-                <a:cs typeface="Times New Roman"/>
-              </a:rPr>
-              <a:t>Which of the three programming models has the simplest method of applying a single layout across multiple pages?</a:t>
-            </a:r>
-          </a:p>
-          <a:p>
-            <a:pPr>
-              <a:lnSpc>
-                <a:spcPct val="115000"/>
-              </a:lnSpc>
-              <a:spcAft>
-                <a:spcPts val="1000"/>
-              </a:spcAft>
-            </a:pPr>
-            <a:r>
               <a:rPr lang="en-US" sz="1000" b="1" dirty="0">
                 <a:latin typeface="Arial"/>
                 <a:ea typeface="Calibri"/>
                 <a:cs typeface="Times New Roman"/>
               </a:rPr>
-              <a:t>Answer</a:t>
+              <a:t>Question</a:t>
             </a:r>
             <a:endParaRPr lang="en-US" sz="1000" dirty="0">
               <a:latin typeface="Arial"/>
@@ -3813,93 +3794,9 @@
               <a:rPr lang="en-US" sz="1000" dirty="0">
                 <a:latin typeface="Arial"/>
                 <a:ea typeface="Calibri"/>
-                <a:cs typeface="Times New Roman"/>
-              </a:rPr>
-              <a:t>Razor Pages and MVC use the same method of applying a single layout across multiple pages. By convention, a file named </a:t>
-            </a:r>
-            <a:r>
-              <a:rPr lang="en-US" sz="1000" b="1" dirty="0">
-                <a:latin typeface="Arial"/>
-                <a:ea typeface="Calibri"/>
-                <a:cs typeface="Times New Roman"/>
-              </a:rPr>
-              <a:t>_</a:t>
-            </a:r>
-            <a:r>
-              <a:rPr lang="en-US" sz="1000" b="1" dirty="0" err="1">
-                <a:latin typeface="Arial"/>
-                <a:ea typeface="Calibri"/>
-                <a:cs typeface="Times New Roman"/>
-              </a:rPr>
-              <a:t>Layout.cshtml</a:t>
-            </a:r>
-            <a:r>
-              <a:rPr lang="en-US" sz="1000" dirty="0">
-                <a:latin typeface="Arial"/>
-                <a:ea typeface="Calibri"/>
-                <a:cs typeface="Times New Roman"/>
-              </a:rPr>
-              <a:t> stores the layout. A single </a:t>
-            </a:r>
-            <a:r>
-              <a:rPr lang="en-US" sz="1000" b="1" dirty="0">
-                <a:latin typeface="Arial"/>
-                <a:ea typeface="Calibri"/>
-                <a:cs typeface="Times New Roman"/>
-              </a:rPr>
-              <a:t>_</a:t>
-            </a:r>
-            <a:r>
-              <a:rPr lang="en-US" sz="1000" b="1" dirty="0" err="1">
-                <a:latin typeface="Arial"/>
-                <a:ea typeface="Calibri"/>
-                <a:cs typeface="Times New Roman"/>
-              </a:rPr>
-              <a:t>ViewStart.cshtml</a:t>
-            </a:r>
-            <a:r>
-              <a:rPr lang="en-US" sz="1000" dirty="0">
-                <a:latin typeface="Arial"/>
-                <a:ea typeface="Calibri"/>
-                <a:cs typeface="Times New Roman"/>
-              </a:rPr>
-              <a:t> file can be used to specify a layout for all pages in the application.</a:t>
-            </a:r>
-          </a:p>
-          <a:p>
-            <a:pPr>
-              <a:lnSpc>
-                <a:spcPct val="115000"/>
-              </a:lnSpc>
-              <a:spcAft>
-                <a:spcPts val="1000"/>
-              </a:spcAft>
-            </a:pPr>
-            <a:r>
-              <a:rPr lang="en-US" sz="1000" dirty="0">
-                <a:latin typeface="Arial"/>
-                <a:ea typeface="Calibri"/>
-                <a:cs typeface="Times New Roman"/>
-              </a:rPr>
-              <a:t>On the other hand, Web API doesn’t have any UI functionality and doesn’t have any method of applying a single layout across multiple pages. In Web API you create HTTP services. If you want to add a UI you should combine Web API with another programming model that has UI functionality.</a:t>
-            </a:r>
-          </a:p>
-          <a:p>
-            <a:pPr>
-              <a:lnSpc>
-                <a:spcPct val="115000"/>
-              </a:lnSpc>
-              <a:spcAft>
-                <a:spcPts val="1000"/>
-              </a:spcAft>
-            </a:pPr>
-            <a:r>
-              <a:rPr lang="en-US" sz="1000" b="1" dirty="0">
-                <a:latin typeface="Arial"/>
-                <a:ea typeface="Calibri"/>
-                <a:cs typeface="Times New Roman"/>
-              </a:rPr>
-              <a:t>Question</a:t>
+                <a:cs typeface="Segoe UI"/>
+              </a:rPr>
+              <a:t>What is the main difference between Razor Pages and MVC?</a:t>
             </a:r>
             <a:endParaRPr lang="en-US" sz="1000" dirty="0">
               <a:latin typeface="Arial"/>
@@ -3917,104 +3814,6 @@
               </a:spcAft>
             </a:pPr>
             <a:r>
-              <a:rPr lang="en-US" sz="1000" dirty="0">
-                <a:latin typeface="Arial"/>
-                <a:ea typeface="Calibri"/>
-                <a:cs typeface="Times New Roman"/>
-              </a:rPr>
-              <a:t>A member of your team replaced the line </a:t>
-            </a:r>
-            <a:r>
-              <a:rPr lang="en-US" sz="1000" b="1" dirty="0">
-                <a:latin typeface="Arial"/>
-                <a:ea typeface="Calibri"/>
-                <a:cs typeface="Times New Roman"/>
-              </a:rPr>
-              <a:t>return View(model);</a:t>
-            </a:r>
-            <a:r>
-              <a:rPr lang="en-US" sz="1000" dirty="0">
-                <a:latin typeface="Arial"/>
-                <a:ea typeface="Calibri"/>
-                <a:cs typeface="Times New Roman"/>
-              </a:rPr>
-              <a:t> in the </a:t>
-            </a:r>
-            <a:r>
-              <a:rPr lang="en-US" sz="1000" b="1" dirty="0">
-                <a:latin typeface="Arial"/>
-                <a:ea typeface="Calibri"/>
-                <a:cs typeface="Times New Roman"/>
-              </a:rPr>
-              <a:t>Details</a:t>
-            </a:r>
-            <a:r>
-              <a:rPr lang="en-US" sz="1000" dirty="0">
-                <a:latin typeface="Arial"/>
-                <a:ea typeface="Calibri"/>
-                <a:cs typeface="Times New Roman"/>
-              </a:rPr>
-              <a:t> action of the </a:t>
-            </a:r>
-            <a:r>
-              <a:rPr lang="en-US" sz="1000" b="1" dirty="0" err="1">
-                <a:latin typeface="Arial"/>
-                <a:ea typeface="Calibri"/>
-                <a:cs typeface="Times New Roman"/>
-              </a:rPr>
-              <a:t>AnimalController</a:t>
-            </a:r>
-            <a:r>
-              <a:rPr lang="en-US" sz="1000" dirty="0">
-                <a:latin typeface="Arial"/>
-                <a:ea typeface="Calibri"/>
-                <a:cs typeface="Times New Roman"/>
-              </a:rPr>
-              <a:t> class with the line </a:t>
-            </a:r>
-            <a:r>
-              <a:rPr lang="en-US" sz="1000" b="1" dirty="0">
-                <a:latin typeface="Arial"/>
-                <a:ea typeface="Calibri"/>
-                <a:cs typeface="Times New Roman"/>
-              </a:rPr>
-              <a:t>return View();</a:t>
-            </a:r>
-            <a:r>
-              <a:rPr lang="en-US" sz="1000" dirty="0">
-                <a:latin typeface="Arial"/>
-                <a:ea typeface="Calibri"/>
-                <a:cs typeface="Times New Roman"/>
-              </a:rPr>
-              <a:t>. What will happen when the </a:t>
-            </a:r>
-            <a:r>
-              <a:rPr lang="en-US" sz="1000" b="1" dirty="0">
-                <a:latin typeface="Arial"/>
-                <a:ea typeface="Calibri"/>
-                <a:cs typeface="Times New Roman"/>
-              </a:rPr>
-              <a:t>Details</a:t>
-            </a:r>
-            <a:r>
-              <a:rPr lang="en-US" sz="1000" dirty="0">
-                <a:latin typeface="Arial"/>
-                <a:ea typeface="Calibri"/>
-                <a:cs typeface="Times New Roman"/>
-              </a:rPr>
-              <a:t> action is called?</a:t>
-            </a:r>
-          </a:p>
-          <a:p>
-            <a:pPr>
-              <a:lnSpc>
-                <a:spcPct val="115000"/>
-              </a:lnSpc>
-              <a:spcAft>
-                <a:spcPts val="1000"/>
-              </a:spcAft>
-            </a:pPr>
-            <a:r>
               <a:rPr lang="en-US" sz="1000" b="1" dirty="0">
                 <a:latin typeface="Arial"/>
                 <a:ea typeface="Calibri"/>
@@ -4043,39 +3842,7 @@
                 <a:ea typeface="Calibri"/>
                 <a:cs typeface="Segoe UI"/>
               </a:rPr>
-              <a:t>Since the view expects a parameter of type </a:t>
-            </a:r>
-            <a:r>
-              <a:rPr lang="en-US" sz="1000" b="1" dirty="0">
-                <a:latin typeface="Arial"/>
-                <a:ea typeface="Calibri"/>
-                <a:cs typeface="Times New Roman"/>
-              </a:rPr>
-              <a:t>Animal</a:t>
-            </a:r>
-            <a:r>
-              <a:rPr lang="en-US" sz="1000" dirty="0">
-                <a:latin typeface="Arial"/>
-                <a:ea typeface="Calibri"/>
-                <a:cs typeface="Segoe UI"/>
-              </a:rPr>
-              <a:t>, and such parameter is not provided, an exception will be thrown in the </a:t>
-            </a:r>
-            <a:r>
-              <a:rPr lang="en-US" sz="1000" b="1" dirty="0" err="1">
-                <a:latin typeface="Arial"/>
-                <a:ea typeface="Calibri"/>
-                <a:cs typeface="Times New Roman"/>
-              </a:rPr>
-              <a:t>Details.cshtml</a:t>
-            </a:r>
-            <a:r>
-              <a:rPr lang="en-US" sz="1000" dirty="0">
-                <a:latin typeface="Arial"/>
-                <a:ea typeface="Calibri"/>
-                <a:cs typeface="Segoe UI"/>
-              </a:rPr>
-              <a:t> file.</a:t>
+              <a:t>The main difference is the programming model. In Razor Pages, the model and the controller are included in the Razor Pages classes and the request goes straight to the page. On the other hand, MVC programming model separates the code into models, views, and controllers. </a:t>
             </a:r>
             <a:endParaRPr lang="en-US" sz="1000" dirty="0">
               <a:latin typeface="Arial"/>
@@ -4117,71 +3884,29 @@
             </a:pPr>
             <a:r>
               <a:rPr lang="en-US" sz="1000" dirty="0">
-                <a:solidFill>
-                  <a:srgbClr val="000000"/>
-                </a:solidFill>
                 <a:latin typeface="Arial"/>
                 <a:ea typeface="Calibri"/>
                 <a:cs typeface="Times New Roman"/>
               </a:rPr>
-              <a:t>When you run the </a:t>
-            </a:r>
-            <a:r>
-              <a:rPr lang="en-US" sz="1000" b="1" dirty="0" err="1">
-                <a:latin typeface="Arial"/>
-                <a:ea typeface="Calibri"/>
-                <a:cs typeface="Times New Roman"/>
-              </a:rPr>
-              <a:t>CakeStoreApi</a:t>
-            </a:r>
-            <a:r>
-              <a:rPr lang="en-US" sz="1000" dirty="0">
-                <a:solidFill>
-                  <a:srgbClr val="000000"/>
-                </a:solidFill>
-                <a:latin typeface="Arial"/>
-                <a:ea typeface="Calibri"/>
-                <a:cs typeface="Times New Roman"/>
-              </a:rPr>
-              <a:t> application, the browser displays </a:t>
-            </a:r>
+              <a:t>Which of the application programming models will you recommend for the organization`s customers: Razor Pages, Web API, or MVC?</a:t>
+            </a:r>
+          </a:p>
+          <a:p>
+            <a:pPr>
+              <a:lnSpc>
+                <a:spcPct val="115000"/>
+              </a:lnSpc>
+              <a:spcAft>
+                <a:spcPts val="1000"/>
+              </a:spcAft>
+            </a:pPr>
             <a:r>
               <a:rPr lang="en-US" sz="1000" b="1" dirty="0">
                 <a:latin typeface="Arial"/>
                 <a:ea typeface="Calibri"/>
                 <a:cs typeface="Times New Roman"/>
               </a:rPr>
-              <a:t>value1</a:t>
-            </a:r>
-            <a:r>
-              <a:rPr lang="en-US" sz="1000" dirty="0">
-                <a:solidFill>
-                  <a:srgbClr val="000000"/>
-                </a:solidFill>
-                <a:latin typeface="Arial"/>
-                <a:ea typeface="Calibri"/>
-                <a:cs typeface="Times New Roman"/>
-              </a:rPr>
-              <a:t> and </a:t>
-            </a:r>
-            <a:r>
-              <a:rPr lang="en-US" sz="1000" b="1" dirty="0">
-                <a:latin typeface="Arial"/>
-                <a:ea typeface="Calibri"/>
-                <a:cs typeface="Times New Roman"/>
-              </a:rPr>
-              <a:t>value2</a:t>
-            </a:r>
-            <a:r>
-              <a:rPr lang="en-US" sz="1000" dirty="0">
-                <a:solidFill>
-                  <a:srgbClr val="000000"/>
-                </a:solidFill>
-                <a:latin typeface="Arial"/>
-                <a:ea typeface="Calibri"/>
-                <a:cs typeface="Times New Roman"/>
-              </a:rPr>
-              <a:t>. You want to display your first name and your last name instead. What will you have to do to achieve your goal?</a:t>
+              <a:t>Answer</a:t>
             </a:r>
             <a:endParaRPr lang="en-US" sz="1000" dirty="0">
               <a:latin typeface="Arial"/>
@@ -4199,18 +3924,13 @@
               </a:spcAft>
             </a:pPr>
             <a:r>
-              <a:rPr lang="en-US" sz="1000" b="1" dirty="0">
+              <a:rPr lang="en-US" sz="1000" dirty="0">
                 <a:latin typeface="Arial"/>
                 <a:ea typeface="Calibri"/>
                 <a:cs typeface="Times New Roman"/>
               </a:rPr>
-              <a:t>Answer</a:t>
-            </a:r>
-            <a:endParaRPr lang="en-US" sz="1000" dirty="0">
-              <a:latin typeface="Arial"/>
-              <a:ea typeface="Calibri"/>
-              <a:cs typeface="Times New Roman"/>
-            </a:endParaRPr>
+              <a:t>Opinions may vary. The aspects of Razor pages, Web API, and MVC programming models you have seen in this module can help determine which model you should use to develop the application. You know that Razor Pages and MVC applications provide precise control over the rendered HTML, which would be helpful in a graphic-driven website. In addition, in MVC applications, the separation of business logic, user interface elements, and input logic will be useful in a complex application. Web API is used to create RESTful APIs that are accessed by using AJAX technology and it is very popular with SPAs. If you intend to create an SPA application, Web API might be the choice.</a:t>
+            </a:r>
           </a:p>
           <a:p>
             <a:pPr>
@@ -4223,96 +3943,12 @@
             </a:pPr>
             <a:r>
               <a:rPr lang="en-US" sz="1000" dirty="0">
-                <a:solidFill>
-                  <a:srgbClr val="000000"/>
-                </a:solidFill>
                 <a:latin typeface="Arial"/>
                 <a:ea typeface="Calibri"/>
                 <a:cs typeface="Times New Roman"/>
               </a:rPr>
-              <a:t>You should change the </a:t>
-            </a:r>
-            <a:r>
-              <a:rPr lang="en-US" sz="1000" b="1" dirty="0">
-                <a:latin typeface="Arial"/>
-                <a:ea typeface="Calibri"/>
-                <a:cs typeface="Times New Roman"/>
-              </a:rPr>
-              <a:t>Get</a:t>
-            </a:r>
-            <a:r>
-              <a:rPr lang="en-US" sz="1000" dirty="0">
-                <a:solidFill>
-                  <a:srgbClr val="000000"/>
-                </a:solidFill>
-                <a:latin typeface="Arial"/>
-                <a:ea typeface="Calibri"/>
-                <a:cs typeface="Times New Roman"/>
-              </a:rPr>
-              <a:t> method of the </a:t>
-            </a:r>
-            <a:r>
-              <a:rPr lang="en-US" sz="1000" b="1" dirty="0" err="1">
-                <a:latin typeface="Arial"/>
-                <a:ea typeface="Calibri"/>
-                <a:cs typeface="Times New Roman"/>
-              </a:rPr>
-              <a:t>ValuesController</a:t>
-            </a:r>
-            <a:r>
-              <a:rPr lang="en-US" sz="1000" dirty="0">
-                <a:solidFill>
-                  <a:srgbClr val="000000"/>
-                </a:solidFill>
-                <a:latin typeface="Arial"/>
-                <a:ea typeface="Calibri"/>
-                <a:cs typeface="Times New Roman"/>
-              </a:rPr>
-              <a:t> class, and instead of the string </a:t>
-            </a:r>
-            <a:r>
-              <a:rPr lang="en-US" sz="1000" b="1" dirty="0">
-                <a:latin typeface="Arial"/>
-                <a:ea typeface="Calibri"/>
-                <a:cs typeface="Times New Roman"/>
-              </a:rPr>
-              <a:t>value1,</a:t>
-            </a:r>
-            <a:r>
-              <a:rPr lang="en-US" sz="1000" dirty="0">
-                <a:solidFill>
-                  <a:srgbClr val="000000"/>
-                </a:solidFill>
-                <a:latin typeface="Arial"/>
-                <a:ea typeface="Calibri"/>
-                <a:cs typeface="Times New Roman"/>
-              </a:rPr>
-              <a:t> type your first name, and instead of the string </a:t>
-            </a:r>
-            <a:r>
-              <a:rPr lang="en-US" sz="1000" b="1" dirty="0">
-                <a:latin typeface="Arial"/>
-                <a:ea typeface="Calibri"/>
-                <a:cs typeface="Times New Roman"/>
-              </a:rPr>
-              <a:t>value2</a:t>
-            </a:r>
-            <a:r>
-              <a:rPr lang="en-US" sz="1000" dirty="0">
-                <a:solidFill>
-                  <a:srgbClr val="000000"/>
-                </a:solidFill>
-                <a:latin typeface="Arial"/>
-                <a:ea typeface="Calibri"/>
-                <a:cs typeface="Times New Roman"/>
-              </a:rPr>
-              <a:t> type your last name. To see the result, you should run the application.</a:t>
-            </a:r>
-            <a:endParaRPr lang="en-US" sz="1000" dirty="0">
-              <a:latin typeface="Arial"/>
-              <a:ea typeface="Calibri"/>
-              <a:cs typeface="Times New Roman"/>
-            </a:endParaRPr>
+              <a:t>The programming model should be chosen according to the website’s requirements. However, you must also consider the skills of your team of developers before you choose a programming model.</a:t>
+            </a:r>
           </a:p>
         </p:txBody>
       </p:sp>
@@ -4483,10 +4119,41 @@
           </a:p>
         </p:txBody>
       </p:sp>
+      <p:sp>
+        <p:nvSpPr>
+          <p:cNvPr id="7" name="TextBox 6"/>
+          <p:cNvSpPr txBox="1"/>
+          <p:nvPr/>
+        </p:nvSpPr>
+        <p:spPr>
+          <a:xfrm>
+            <a:off x="0" y="8890000"/>
+            <a:ext cx="1871025" cy="246221"/>
+          </a:xfrm>
+          <a:prstGeom prst="rect">
+            <a:avLst/>
+          </a:prstGeom>
+          <a:noFill/>
+        </p:spPr>
+        <p:txBody>
+          <a:bodyPr vert="horz" wrap="none" rtlCol="0">
+            <a:spAutoFit/>
+          </a:bodyPr>
+          <a:lstStyle/>
+          <a:p>
+            <a:r>
+              <a:rPr lang="en-US" sz="1000">
+                <a:latin typeface="Arial"/>
+              </a:rPr>
+              <a:t>(More notes on the next slide)</a:t>
+            </a:r>
+          </a:p>
+        </p:txBody>
+      </p:sp>
     </p:spTree>
     <p:extLst>
       <p:ext uri="{BB962C8B-B14F-4D97-AF65-F5344CB8AC3E}">
-        <p14:creationId xmlns:p14="http://schemas.microsoft.com/office/powerpoint/2010/main" val="885897422"/>
+        <p14:creationId xmlns:p14="http://schemas.microsoft.com/office/powerpoint/2010/main" val="3239757468"/>
       </p:ext>
     </p:extLst>
   </p:cSld>
@@ -4542,7 +4209,7 @@
         </p:nvSpPr>
         <p:spPr>
           <a:xfrm>
-            <a:off x="310896" y="2093975"/>
+            <a:off x="310896" y="2093976"/>
             <a:ext cx="6153912" cy="6604000"/>
           </a:xfrm>
         </p:spPr>
@@ -4566,16 +4233,82 @@
                 <a:ea typeface="Calibri"/>
                 <a:cs typeface="Times New Roman"/>
               </a:rPr>
-              <a:t>Review Questions</a:t>
+              <a:t>Best Practices</a:t>
+            </a:r>
+          </a:p>
+          <a:p>
+            <a:pPr marL="171450" indent="-171450">
+              <a:lnSpc>
+                <a:spcPct val="115000"/>
+              </a:lnSpc>
+              <a:spcAft>
+                <a:spcPts val="1000"/>
+              </a:spcAft>
+              <a:buSzPct val="150000"/>
+              <a:buFont typeface="Arial" panose="020B0604020202020204" pitchFamily="34" charset="0"/>
+              <a:buChar char="•"/>
+            </a:pPr>
+            <a:r>
+              <a:rPr lang="en-US" sz="1000" dirty="0">
+                <a:latin typeface="Arial"/>
+                <a:ea typeface="Calibri"/>
+                <a:cs typeface="Times New Roman"/>
+              </a:rPr>
+              <a:t>Use Web API when you want to create HTTP services and to allow developers access specific sets of data or functionality of your application. If you would like to add a UI, you should combine Web API with another programming model that has UI functionality.</a:t>
+            </a:r>
+          </a:p>
+          <a:p>
+            <a:pPr marL="171450" indent="-171450">
+              <a:lnSpc>
+                <a:spcPct val="115000"/>
+              </a:lnSpc>
+              <a:spcAft>
+                <a:spcPts val="1000"/>
+              </a:spcAft>
+              <a:buSzPct val="150000"/>
+              <a:buFont typeface="Arial" panose="020B0604020202020204" pitchFamily="34" charset="0"/>
+              <a:buChar char="•"/>
+            </a:pPr>
+            <a:r>
+              <a:rPr lang="en-US" sz="1000" dirty="0">
+                <a:latin typeface="Arial"/>
+                <a:ea typeface="Calibri"/>
+                <a:cs typeface="Times New Roman"/>
+              </a:rPr>
+              <a:t>Use MVC when you want the most precise control over HTML and URLs, when you want to cleanly separate business logic, user interface code, and input logic, or when you want to perform TDD.</a:t>
+            </a:r>
+          </a:p>
+          <a:p>
+            <a:pPr lvl="0">
+              <a:lnSpc>
+                <a:spcPct val="115000"/>
+              </a:lnSpc>
+              <a:spcAft>
+                <a:spcPts val="1000"/>
+              </a:spcAft>
+            </a:pPr>
+            <a:r>
+              <a:rPr lang="en-US" sz="1000" b="1" dirty="0">
+                <a:solidFill>
+                  <a:prstClr val="black"/>
+                </a:solidFill>
+                <a:latin typeface="Arial"/>
+                <a:ea typeface="Calibri"/>
+                <a:cs typeface="Times New Roman"/>
+              </a:rPr>
+              <a:t>Common Issues and Troubleshooting Tips</a:t>
             </a:r>
             <a:endParaRPr lang="en-US" sz="1000" dirty="0">
+              <a:solidFill>
+                <a:prstClr val="black"/>
+              </a:solidFill>
               <a:latin typeface="Arial"/>
               <a:ea typeface="Calibri"/>
               <a:cs typeface="Times New Roman"/>
             </a:endParaRPr>
           </a:p>
           <a:p>
-            <a:pPr>
+            <a:pPr lvl="0">
               <a:lnSpc>
                 <a:spcPct val="115000"/>
               </a:lnSpc>
@@ -4585,20 +4318,156 @@
             </a:pPr>
             <a:r>
               <a:rPr lang="en-US" sz="1000" b="1" dirty="0">
+                <a:solidFill>
+                  <a:prstClr val="black"/>
+                </a:solidFill>
                 <a:latin typeface="Arial"/>
                 <a:ea typeface="Calibri"/>
                 <a:cs typeface="Times New Roman"/>
               </a:rPr>
-              <a:t>Question</a:t>
+              <a:t>Common Issue: </a:t>
+            </a:r>
+            <a:r>
+              <a:rPr lang="en-US" sz="1000" dirty="0">
+                <a:solidFill>
+                  <a:prstClr val="black"/>
+                </a:solidFill>
+                <a:latin typeface="Arial"/>
+                <a:ea typeface="Calibri"/>
+                <a:cs typeface="Times New Roman"/>
+              </a:rPr>
+              <a:t>You add a new view to an MVC application, but when you try to access the page, you receive an HTTP 404 error.</a:t>
+            </a:r>
+          </a:p>
+          <a:p>
+            <a:pPr lvl="0">
+              <a:lnSpc>
+                <a:spcPct val="115000"/>
+              </a:lnSpc>
+              <a:spcAft>
+                <a:spcPts val="1000"/>
+              </a:spcAft>
+            </a:pPr>
+            <a:r>
+              <a:rPr lang="en-US" sz="1000" b="1" dirty="0">
+                <a:solidFill>
+                  <a:prstClr val="black"/>
+                </a:solidFill>
+                <a:latin typeface="Arial"/>
+                <a:ea typeface="Calibri"/>
+                <a:cs typeface="Times New Roman"/>
+              </a:rPr>
+              <a:t>Troubleshooting Tip: </a:t>
+            </a:r>
+            <a:r>
+              <a:rPr lang="en-US" sz="1000" dirty="0">
+                <a:solidFill>
+                  <a:prstClr val="black"/>
+                </a:solidFill>
+                <a:latin typeface="Arial"/>
+                <a:ea typeface="Calibri"/>
+                <a:cs typeface="Times New Roman"/>
+              </a:rPr>
+              <a:t>In MVC, views cannot function without controller actions. To use the new view, you must add a controller action that returns that view.</a:t>
+            </a:r>
+          </a:p>
+          <a:p>
+            <a:pPr lvl="0">
+              <a:lnSpc>
+                <a:spcPct val="115000"/>
+              </a:lnSpc>
+              <a:spcAft>
+                <a:spcPts val="1000"/>
+              </a:spcAft>
+            </a:pPr>
+            <a:r>
+              <a:rPr lang="en-US" sz="1000" b="1" dirty="0">
+                <a:solidFill>
+                  <a:prstClr val="black"/>
+                </a:solidFill>
+                <a:latin typeface="Arial"/>
+                <a:ea typeface="Calibri"/>
+                <a:cs typeface="Times New Roman"/>
+              </a:rPr>
+              <a:t>Additional Reading: </a:t>
+            </a:r>
+            <a:r>
+              <a:rPr lang="en-US" sz="1000" dirty="0">
+                <a:solidFill>
+                  <a:prstClr val="black"/>
+                </a:solidFill>
+                <a:latin typeface="Arial"/>
+                <a:ea typeface="Calibri"/>
+                <a:cs typeface="Times New Roman"/>
+              </a:rPr>
+              <a:t>For more information about ASP.NET, including forums, blogs, and third-party tools, visit the official ASP.NET site: </a:t>
+            </a:r>
+            <a:r>
+              <a:rPr lang="en-US" sz="1000" u="sng" dirty="0">
+                <a:solidFill>
+                  <a:srgbClr val="0000FF"/>
+                </a:solidFill>
+                <a:latin typeface="Arial"/>
+                <a:ea typeface="Calibri"/>
+                <a:cs typeface="Segoe UI"/>
+                <a:hlinkClick r:id="rId3"/>
+              </a:rPr>
+              <a:t>http://go.microsoft.com/fwlink/?LinkID=293681&amp;clcid=0x409</a:t>
+            </a:r>
+            <a:r>
+              <a:rPr lang="en-US" sz="1000" dirty="0">
+                <a:solidFill>
+                  <a:prstClr val="black"/>
+                </a:solidFill>
+                <a:latin typeface="Arial"/>
+                <a:ea typeface="Calibri"/>
+                <a:cs typeface="Times New Roman"/>
+              </a:rPr>
+              <a:t> </a:t>
+            </a:r>
+          </a:p>
+          <a:p>
+            <a:pPr>
+              <a:lnSpc>
+                <a:spcPct val="115000"/>
+              </a:lnSpc>
+              <a:spcAft>
+                <a:spcPts val="1000"/>
+              </a:spcAft>
+            </a:pPr>
+            <a:r>
+              <a:rPr lang="en-IN" sz="1000" b="1" dirty="0">
+                <a:solidFill>
+                  <a:prstClr val="black"/>
+                </a:solidFill>
+                <a:latin typeface="Arial"/>
+                <a:ea typeface="Calibri"/>
+                <a:cs typeface="Times New Roman"/>
+              </a:rPr>
+              <a:t>Note: </a:t>
+            </a:r>
+            <a:r>
+              <a:rPr lang="en-IN" sz="1000" dirty="0">
+                <a:solidFill>
+                  <a:prstClr val="black"/>
+                </a:solidFill>
+                <a:latin typeface="Arial"/>
+                <a:ea typeface="Calibri"/>
+                <a:cs typeface="Times New Roman"/>
+              </a:rPr>
+              <a:t>Ensure that you cover the common issues and the corresponding troubleshooting tips listed in this section. Encourage students to share tips from their own work environments.</a:t>
             </a:r>
             <a:endParaRPr lang="en-US" sz="1000" dirty="0">
+              <a:solidFill>
+                <a:prstClr val="black"/>
+              </a:solidFill>
               <a:latin typeface="Arial"/>
               <a:ea typeface="Calibri"/>
               <a:cs typeface="Times New Roman"/>
             </a:endParaRPr>
           </a:p>
           <a:p>
-            <a:pPr>
+            <a:pPr lvl="0">
               <a:lnSpc>
                 <a:spcPct val="115000"/>
               </a:lnSpc>
@@ -4606,165 +4475,14 @@
                 <a:spcPts val="1000"/>
               </a:spcAft>
             </a:pPr>
-            <a:r>
-              <a:rPr lang="en-US" sz="1000" dirty="0">
-                <a:latin typeface="Arial"/>
-                <a:ea typeface="Calibri"/>
-                <a:cs typeface="Segoe UI"/>
-              </a:rPr>
-              <a:t>What is the main difference between Razor Pages and MVC?</a:t>
-            </a:r>
             <a:endParaRPr lang="en-US" sz="1000" dirty="0">
+              <a:solidFill>
+                <a:prstClr val="black"/>
+              </a:solidFill>
               <a:latin typeface="Arial"/>
               <a:ea typeface="Calibri"/>
               <a:cs typeface="Times New Roman"/>
             </a:endParaRPr>
-          </a:p>
-          <a:p>
-            <a:pPr>
-              <a:lnSpc>
-                <a:spcPct val="115000"/>
-              </a:lnSpc>
-              <a:spcAft>
-                <a:spcPts val="1000"/>
-              </a:spcAft>
-            </a:pPr>
-            <a:r>
-              <a:rPr lang="en-US" sz="1000" b="1" dirty="0">
-                <a:latin typeface="Arial"/>
-                <a:ea typeface="Calibri"/>
-                <a:cs typeface="Times New Roman"/>
-              </a:rPr>
-              <a:t>Answer</a:t>
-            </a:r>
-            <a:endParaRPr lang="en-US" sz="1000" dirty="0">
-              <a:latin typeface="Arial"/>
-              <a:ea typeface="Calibri"/>
-              <a:cs typeface="Times New Roman"/>
-            </a:endParaRPr>
-          </a:p>
-          <a:p>
-            <a:pPr>
-              <a:lnSpc>
-                <a:spcPct val="115000"/>
-              </a:lnSpc>
-              <a:spcAft>
-                <a:spcPts val="1000"/>
-              </a:spcAft>
-            </a:pPr>
-            <a:r>
-              <a:rPr lang="en-US" sz="1000" dirty="0">
-                <a:latin typeface="Arial"/>
-                <a:ea typeface="Calibri"/>
-                <a:cs typeface="Segoe UI"/>
-              </a:rPr>
-              <a:t>The main difference is the programming model. In Razor Pages, the model and the controller are included in the Razor Pages classes and the request goes straight to the page. On the other hand, MVC programming model separates the code into models, views, and controllers. </a:t>
-            </a:r>
-            <a:endParaRPr lang="en-US" sz="1000" dirty="0">
-              <a:latin typeface="Arial"/>
-              <a:ea typeface="Calibri"/>
-              <a:cs typeface="Times New Roman"/>
-            </a:endParaRPr>
-          </a:p>
-          <a:p>
-            <a:pPr>
-              <a:lnSpc>
-                <a:spcPct val="115000"/>
-              </a:lnSpc>
-              <a:spcAft>
-                <a:spcPts val="1000"/>
-              </a:spcAft>
-            </a:pPr>
-            <a:r>
-              <a:rPr lang="en-US" sz="1000" b="1" dirty="0">
-                <a:latin typeface="Arial"/>
-                <a:ea typeface="Calibri"/>
-                <a:cs typeface="Times New Roman"/>
-              </a:rPr>
-              <a:t>Question</a:t>
-            </a:r>
-            <a:endParaRPr lang="en-US" sz="1000" dirty="0">
-              <a:latin typeface="Arial"/>
-              <a:ea typeface="Calibri"/>
-              <a:cs typeface="Times New Roman"/>
-            </a:endParaRPr>
-          </a:p>
-          <a:p>
-            <a:pPr>
-              <a:lnSpc>
-                <a:spcPct val="115000"/>
-              </a:lnSpc>
-              <a:spcAft>
-                <a:spcPts val="1000"/>
-              </a:spcAft>
-            </a:pPr>
-            <a:r>
-              <a:rPr lang="en-US" sz="1000" dirty="0">
-                <a:latin typeface="Arial"/>
-                <a:ea typeface="Calibri"/>
-                <a:cs typeface="Times New Roman"/>
-              </a:rPr>
-              <a:t>Which of the application programming models will you recommend for the organization`s customers: Razor Pages, Web API, or MVC?</a:t>
-            </a:r>
-          </a:p>
-          <a:p>
-            <a:pPr>
-              <a:lnSpc>
-                <a:spcPct val="115000"/>
-              </a:lnSpc>
-              <a:spcAft>
-                <a:spcPts val="1000"/>
-              </a:spcAft>
-            </a:pPr>
-            <a:r>
-              <a:rPr lang="en-US" sz="1000" b="1" dirty="0">
-                <a:latin typeface="Arial"/>
-                <a:ea typeface="Calibri"/>
-                <a:cs typeface="Times New Roman"/>
-              </a:rPr>
-              <a:t>Answer</a:t>
-            </a:r>
-            <a:endParaRPr lang="en-US" sz="1000" dirty="0">
-              <a:latin typeface="Arial"/>
-              <a:ea typeface="Calibri"/>
-              <a:cs typeface="Times New Roman"/>
-            </a:endParaRPr>
-          </a:p>
-          <a:p>
-            <a:pPr>
-              <a:lnSpc>
-                <a:spcPct val="115000"/>
-              </a:lnSpc>
-              <a:spcAft>
-                <a:spcPts val="1000"/>
-              </a:spcAft>
-            </a:pPr>
-            <a:r>
-              <a:rPr lang="en-US" sz="1000" dirty="0">
-                <a:latin typeface="Arial"/>
-                <a:ea typeface="Calibri"/>
-                <a:cs typeface="Times New Roman"/>
-              </a:rPr>
-              <a:t>Opinions may vary. The aspects of Razor pages, Web API, and MVC programming models you have seen in this module can help determine which model you should use to develop the application. You know that Razor Pages and MVC applications provide precise control over the rendered HTML, which would be helpful in a graphic-driven website. In addition, in MVC applications, the separation of business logic, user interface elements, and input logic will be useful in a complex application. Web API is used to create RESTful APIs that are accessed by using AJAX technology and it is very popular with SPAs. If you intend to create an SPA application, Web API might be the choice.</a:t>
-            </a:r>
-          </a:p>
-          <a:p>
-            <a:pPr>
-              <a:lnSpc>
-                <a:spcPct val="115000"/>
-              </a:lnSpc>
-              <a:spcAft>
-                <a:spcPts val="1000"/>
-              </a:spcAft>
-            </a:pPr>
-            <a:r>
-              <a:rPr lang="en-US" sz="1000" dirty="0">
-                <a:latin typeface="Arial"/>
-                <a:ea typeface="Calibri"/>
-                <a:cs typeface="Times New Roman"/>
-              </a:rPr>
-              <a:t>The programming model should be chosen according to the website’s requirements. However, you must also consider the skills of your team of developers before you choose a programming model.</a:t>
-            </a:r>
           </a:p>
         </p:txBody>
       </p:sp>
@@ -4935,41 +4653,10 @@
           </a:p>
         </p:txBody>
       </p:sp>
-      <p:sp>
-        <p:nvSpPr>
-          <p:cNvPr id="7" name="TextBox 6"/>
-          <p:cNvSpPr txBox="1"/>
-          <p:nvPr/>
-        </p:nvSpPr>
-        <p:spPr>
-          <a:xfrm>
-            <a:off x="0" y="8890000"/>
-            <a:ext cx="1871025" cy="246221"/>
-          </a:xfrm>
-          <a:prstGeom prst="rect">
-            <a:avLst/>
-          </a:prstGeom>
-          <a:noFill/>
-        </p:spPr>
-        <p:txBody>
-          <a:bodyPr vert="horz" wrap="none" rtlCol="0">
-            <a:spAutoFit/>
-          </a:bodyPr>
-          <a:lstStyle/>
-          <a:p>
-            <a:r>
-              <a:rPr lang="en-US" sz="1000">
-                <a:latin typeface="Arial"/>
-              </a:rPr>
-              <a:t>(More notes on the next slide)</a:t>
-            </a:r>
-          </a:p>
-        </p:txBody>
-      </p:sp>
     </p:spTree>
     <p:extLst>
       <p:ext uri="{BB962C8B-B14F-4D97-AF65-F5344CB8AC3E}">
-        <p14:creationId xmlns:p14="http://schemas.microsoft.com/office/powerpoint/2010/main" val="3239757468"/>
+        <p14:creationId xmlns:p14="http://schemas.microsoft.com/office/powerpoint/2010/main" val="1944282723"/>
       </p:ext>
     </p:extLst>
   </p:cSld>
@@ -5225,509 +4912,6 @@
     <p:extLst>
       <p:ext uri="{BB962C8B-B14F-4D97-AF65-F5344CB8AC3E}">
         <p14:creationId xmlns:p14="http://schemas.microsoft.com/office/powerpoint/2010/main" val="396735504"/>
-      </p:ext>
-    </p:extLst>
-  </p:cSld>
-  <p:clrMapOvr>
-    <a:masterClrMapping/>
-  </p:clrMapOvr>
-</p:notes>
-</file>
-
-<file path=ppt/notesSlides/notesSlide20.xml><?xml version="1.0" encoding="utf-8"?>
-<p:notes xmlns:a="http://schemas.openxmlformats.org/drawingml/2006/main" xmlns:r="http://schemas.openxmlformats.org/officeDocument/2006/relationships" xmlns:p="http://schemas.openxmlformats.org/presentationml/2006/main">
-  <p:cSld>
-    <p:spTree>
-      <p:nvGrpSpPr>
-        <p:cNvPr id="1" name=""/>
-        <p:cNvGrpSpPr/>
-        <p:nvPr/>
-      </p:nvGrpSpPr>
-      <p:grpSpPr>
-        <a:xfrm>
-          <a:off x="0" y="0"/>
-          <a:ext cx="0" cy="0"/>
-          <a:chOff x="0" y="0"/>
-          <a:chExt cx="0" cy="0"/>
-        </a:xfrm>
-      </p:grpSpPr>
-      <p:sp>
-        <p:nvSpPr>
-          <p:cNvPr id="2" name="Slide Image Placeholder 1"/>
-          <p:cNvSpPr>
-            <a:spLocks noGrp="1" noRot="1" noChangeAspect="1"/>
-          </p:cNvSpPr>
-          <p:nvPr>
-            <p:ph type="sldImg"/>
-          </p:nvPr>
-        </p:nvSpPr>
-        <p:spPr>
-          <a:xfrm>
-            <a:off x="3914775" y="73025"/>
-            <a:ext cx="3289300" cy="1851025"/>
-          </a:xfrm>
-        </p:spPr>
-      </p:sp>
-      <p:sp>
-        <p:nvSpPr>
-          <p:cNvPr id="3" name="Notes Placeholder 2"/>
-          <p:cNvSpPr>
-            <a:spLocks noGrp="1"/>
-          </p:cNvSpPr>
-          <p:nvPr>
-            <p:ph type="body" idx="1"/>
-          </p:nvPr>
-        </p:nvSpPr>
-        <p:spPr>
-          <a:xfrm>
-            <a:off x="310896" y="2093976"/>
-            <a:ext cx="6153912" cy="6604000"/>
-          </a:xfrm>
-        </p:spPr>
-        <p:txBody>
-          <a:bodyPr>
-            <a:noAutofit/>
-          </a:bodyPr>
-          <a:lstStyle/>
-          <a:p>
-            <a:pPr>
-              <a:lnSpc>
-                <a:spcPct val="115000"/>
-              </a:lnSpc>
-              <a:spcAft>
-                <a:spcPts val="1000"/>
-              </a:spcAft>
-            </a:pPr>
-            <a:r>
-              <a:rPr lang="en-US" sz="1000" b="1" dirty="0">
-                <a:latin typeface="Arial"/>
-                <a:ea typeface="Calibri"/>
-                <a:cs typeface="Times New Roman"/>
-              </a:rPr>
-              <a:t>Best Practices</a:t>
-            </a:r>
-          </a:p>
-          <a:p>
-            <a:pPr marL="171450" indent="-171450">
-              <a:lnSpc>
-                <a:spcPct val="115000"/>
-              </a:lnSpc>
-              <a:spcAft>
-                <a:spcPts val="1000"/>
-              </a:spcAft>
-              <a:buSzPct val="150000"/>
-              <a:buFont typeface="Arial" panose="020B0604020202020204" pitchFamily="34" charset="0"/>
-              <a:buChar char="•"/>
-            </a:pPr>
-            <a:r>
-              <a:rPr lang="en-US" sz="1000" dirty="0">
-                <a:latin typeface="Arial"/>
-                <a:ea typeface="Calibri"/>
-                <a:cs typeface="Times New Roman"/>
-              </a:rPr>
-              <a:t>Use Web API when you want to create HTTP services and to allow developers access specific sets of data or functionality of your application. If you would like to add a UI, you should combine Web API with another programming model that has UI functionality.</a:t>
-            </a:r>
-          </a:p>
-          <a:p>
-            <a:pPr marL="171450" indent="-171450">
-              <a:lnSpc>
-                <a:spcPct val="115000"/>
-              </a:lnSpc>
-              <a:spcAft>
-                <a:spcPts val="1000"/>
-              </a:spcAft>
-              <a:buSzPct val="150000"/>
-              <a:buFont typeface="Arial" panose="020B0604020202020204" pitchFamily="34" charset="0"/>
-              <a:buChar char="•"/>
-            </a:pPr>
-            <a:r>
-              <a:rPr lang="en-US" sz="1000" dirty="0">
-                <a:latin typeface="Arial"/>
-                <a:ea typeface="Calibri"/>
-                <a:cs typeface="Times New Roman"/>
-              </a:rPr>
-              <a:t>Use MVC when you want the most precise control over HTML and URLs, when you want to cleanly separate business logic, user interface code, and input logic, or when you want to perform TDD.</a:t>
-            </a:r>
-          </a:p>
-          <a:p>
-            <a:pPr lvl="0">
-              <a:lnSpc>
-                <a:spcPct val="115000"/>
-              </a:lnSpc>
-              <a:spcAft>
-                <a:spcPts val="1000"/>
-              </a:spcAft>
-            </a:pPr>
-            <a:r>
-              <a:rPr lang="en-US" sz="1000" b="1" dirty="0">
-                <a:solidFill>
-                  <a:prstClr val="black"/>
-                </a:solidFill>
-                <a:latin typeface="Arial"/>
-                <a:ea typeface="Calibri"/>
-                <a:cs typeface="Times New Roman"/>
-              </a:rPr>
-              <a:t>Common Issues and Troubleshooting Tips</a:t>
-            </a:r>
-            <a:endParaRPr lang="en-US" sz="1000" dirty="0">
-              <a:solidFill>
-                <a:prstClr val="black"/>
-              </a:solidFill>
-              <a:latin typeface="Arial"/>
-              <a:ea typeface="Calibri"/>
-              <a:cs typeface="Times New Roman"/>
-            </a:endParaRPr>
-          </a:p>
-          <a:p>
-            <a:pPr lvl="0">
-              <a:lnSpc>
-                <a:spcPct val="115000"/>
-              </a:lnSpc>
-              <a:spcAft>
-                <a:spcPts val="1000"/>
-              </a:spcAft>
-            </a:pPr>
-            <a:r>
-              <a:rPr lang="en-US" sz="1000" b="1" dirty="0">
-                <a:solidFill>
-                  <a:prstClr val="black"/>
-                </a:solidFill>
-                <a:latin typeface="Arial"/>
-                <a:ea typeface="Calibri"/>
-                <a:cs typeface="Times New Roman"/>
-              </a:rPr>
-              <a:t>Common Issue: </a:t>
-            </a:r>
-            <a:r>
-              <a:rPr lang="en-US" sz="1000" dirty="0">
-                <a:solidFill>
-                  <a:prstClr val="black"/>
-                </a:solidFill>
-                <a:latin typeface="Arial"/>
-                <a:ea typeface="Calibri"/>
-                <a:cs typeface="Times New Roman"/>
-              </a:rPr>
-              <a:t>You add a new view to an MVC application, but when you try to access the page, you receive an HTTP 404 error.</a:t>
-            </a:r>
-          </a:p>
-          <a:p>
-            <a:pPr lvl="0">
-              <a:lnSpc>
-                <a:spcPct val="115000"/>
-              </a:lnSpc>
-              <a:spcAft>
-                <a:spcPts val="1000"/>
-              </a:spcAft>
-            </a:pPr>
-            <a:r>
-              <a:rPr lang="en-US" sz="1000" b="1" dirty="0">
-                <a:solidFill>
-                  <a:prstClr val="black"/>
-                </a:solidFill>
-                <a:latin typeface="Arial"/>
-                <a:ea typeface="Calibri"/>
-                <a:cs typeface="Times New Roman"/>
-              </a:rPr>
-              <a:t>Troubleshooting Tip: </a:t>
-            </a:r>
-            <a:r>
-              <a:rPr lang="en-US" sz="1000" dirty="0">
-                <a:solidFill>
-                  <a:prstClr val="black"/>
-                </a:solidFill>
-                <a:latin typeface="Arial"/>
-                <a:ea typeface="Calibri"/>
-                <a:cs typeface="Times New Roman"/>
-              </a:rPr>
-              <a:t>In MVC, views cannot function without controller actions. To use the new view, you must add a controller action that returns that view.</a:t>
-            </a:r>
-          </a:p>
-          <a:p>
-            <a:pPr lvl="0">
-              <a:lnSpc>
-                <a:spcPct val="115000"/>
-              </a:lnSpc>
-              <a:spcAft>
-                <a:spcPts val="1000"/>
-              </a:spcAft>
-            </a:pPr>
-            <a:r>
-              <a:rPr lang="en-US" sz="1000" b="1" dirty="0">
-                <a:solidFill>
-                  <a:prstClr val="black"/>
-                </a:solidFill>
-                <a:latin typeface="Arial"/>
-                <a:ea typeface="Calibri"/>
-                <a:cs typeface="Times New Roman"/>
-              </a:rPr>
-              <a:t>Additional Reading: </a:t>
-            </a:r>
-            <a:r>
-              <a:rPr lang="en-US" sz="1000" dirty="0">
-                <a:solidFill>
-                  <a:prstClr val="black"/>
-                </a:solidFill>
-                <a:latin typeface="Arial"/>
-                <a:ea typeface="Calibri"/>
-                <a:cs typeface="Times New Roman"/>
-              </a:rPr>
-              <a:t>For more information about ASP.NET, including forums, blogs, and third-party tools, visit the official ASP.NET site: </a:t>
-            </a:r>
-            <a:r>
-              <a:rPr lang="en-US" sz="1000" u="sng" dirty="0">
-                <a:solidFill>
-                  <a:srgbClr val="0000FF"/>
-                </a:solidFill>
-                <a:latin typeface="Arial"/>
-                <a:ea typeface="Calibri"/>
-                <a:cs typeface="Segoe UI"/>
-                <a:hlinkClick r:id="rId3"/>
-              </a:rPr>
-              <a:t>http://go.microsoft.com/fwlink/?LinkID=293681&amp;clcid=0x409</a:t>
-            </a:r>
-            <a:r>
-              <a:rPr lang="en-US" sz="1000" dirty="0">
-                <a:solidFill>
-                  <a:prstClr val="black"/>
-                </a:solidFill>
-                <a:latin typeface="Arial"/>
-                <a:ea typeface="Calibri"/>
-                <a:cs typeface="Times New Roman"/>
-              </a:rPr>
-              <a:t> </a:t>
-            </a:r>
-          </a:p>
-          <a:p>
-            <a:pPr>
-              <a:lnSpc>
-                <a:spcPct val="115000"/>
-              </a:lnSpc>
-              <a:spcAft>
-                <a:spcPts val="1000"/>
-              </a:spcAft>
-            </a:pPr>
-            <a:r>
-              <a:rPr lang="en-IN" sz="1000" b="1" dirty="0">
-                <a:solidFill>
-                  <a:prstClr val="black"/>
-                </a:solidFill>
-                <a:latin typeface="Arial"/>
-                <a:ea typeface="Calibri"/>
-                <a:cs typeface="Times New Roman"/>
-              </a:rPr>
-              <a:t>Note: </a:t>
-            </a:r>
-            <a:r>
-              <a:rPr lang="en-IN" sz="1000" dirty="0">
-                <a:solidFill>
-                  <a:prstClr val="black"/>
-                </a:solidFill>
-                <a:latin typeface="Arial"/>
-                <a:ea typeface="Calibri"/>
-                <a:cs typeface="Times New Roman"/>
-              </a:rPr>
-              <a:t>Ensure that you cover the common issues and the corresponding troubleshooting tips listed in this section. Encourage students to share tips from their own work environments.</a:t>
-            </a:r>
-            <a:endParaRPr lang="en-US" sz="1000" dirty="0">
-              <a:solidFill>
-                <a:prstClr val="black"/>
-              </a:solidFill>
-              <a:latin typeface="Arial"/>
-              <a:ea typeface="Calibri"/>
-              <a:cs typeface="Times New Roman"/>
-            </a:endParaRPr>
-          </a:p>
-          <a:p>
-            <a:pPr lvl="0">
-              <a:lnSpc>
-                <a:spcPct val="115000"/>
-              </a:lnSpc>
-              <a:spcAft>
-                <a:spcPts val="1000"/>
-              </a:spcAft>
-            </a:pPr>
-            <a:endParaRPr lang="en-US" sz="1000" dirty="0">
-              <a:solidFill>
-                <a:prstClr val="black"/>
-              </a:solidFill>
-              <a:latin typeface="Arial"/>
-              <a:ea typeface="Calibri"/>
-              <a:cs typeface="Times New Roman"/>
-            </a:endParaRPr>
-          </a:p>
-        </p:txBody>
-      </p:sp>
-      <p:sp>
-        <p:nvSpPr>
-          <p:cNvPr id="4" name="Slide Number Placeholder 3"/>
-          <p:cNvSpPr>
-            <a:spLocks noGrp="1"/>
-          </p:cNvSpPr>
-          <p:nvPr>
-            <p:ph type="sldNum" sz="quarter" idx="10"/>
-          </p:nvPr>
-        </p:nvSpPr>
-        <p:spPr/>
-        <p:txBody>
-          <a:bodyPr/>
-          <a:lstStyle/>
-          <a:p>
-            <a:fld id="{63BC7022-394D-4F46-A41A-DE110FFB76C7}" type="slidenum">
-              <a:rPr lang="en-US" smtClean="0"/>
-              <a:t>30</a:t>
-            </a:fld>
-            <a:endParaRPr lang="en-US"/>
-          </a:p>
-        </p:txBody>
-      </p:sp>
-      <p:sp>
-        <p:nvSpPr>
-          <p:cNvPr id="5" name="Rectangle 4"/>
-          <p:cNvSpPr/>
-          <p:nvPr/>
-        </p:nvSpPr>
-        <p:spPr>
-          <a:xfrm>
-            <a:off x="0" y="0"/>
-            <a:ext cx="3038475" cy="222250"/>
-          </a:xfrm>
-          <a:prstGeom prst="rect">
-            <a:avLst/>
-          </a:prstGeom>
-          <a:noFill/>
-          <a:ln w="25400" cap="flat" cmpd="sng" algn="ctr">
-            <a:noFill/>
-            <a:prstDash val="solid"/>
-          </a:ln>
-          <a:effectLst/>
-          <a:extLst>
-            <a:ext uri="{909E8E84-426E-40DD-AFC4-6F175D3DCCD1}">
-              <a14:hiddenFill xmlns:a14="http://schemas.microsoft.com/office/drawing/2010/main">
-                <a:solidFill>
-                  <a:schemeClr val="accent1"/>
-                </a:solidFill>
-              </a14:hiddenFill>
-            </a:ext>
-            <a:ext uri="{91240B29-F687-4F45-9708-019B960494DF}">
-              <a14:hiddenLine xmlns:a14="http://schemas.microsoft.com/office/drawing/2010/main" w="25400" cap="flat" cmpd="sng" algn="ctr">
-                <a:solidFill>
-                  <a:schemeClr val="accent1">
-                    <a:shade val="50000"/>
-                  </a:schemeClr>
-                </a:solidFill>
-                <a:prstDash val="solid"/>
-              </a14:hiddenLine>
-            </a:ext>
-          </a:extLst>
-        </p:spPr>
-        <p:style>
-          <a:lnRef idx="2">
-            <a:schemeClr val="accent1">
-              <a:shade val="50000"/>
-            </a:schemeClr>
-          </a:lnRef>
-          <a:fillRef idx="1">
-            <a:schemeClr val="accent1"/>
-          </a:fillRef>
-          <a:effectRef idx="0">
-            <a:schemeClr val="accent1"/>
-          </a:effectRef>
-          <a:fontRef idx="minor">
-            <a:schemeClr val="lt1"/>
-          </a:fontRef>
-        </p:style>
-        <p:txBody>
-          <a:bodyPr rtlCol="0" anchor="ctr"/>
-          <a:lstStyle/>
-          <a:p>
-            <a:r>
-              <a:rPr lang="en-US" sz="1200" b="1">
-                <a:solidFill>
-                  <a:srgbClr val="000000"/>
-                </a:solidFill>
-                <a:latin typeface="Arial"/>
-              </a:rPr>
-              <a:t>20486D</a:t>
-            </a:r>
-          </a:p>
-        </p:txBody>
-      </p:sp>
-      <p:sp>
-        <p:nvSpPr>
-          <p:cNvPr id="6" name="Rectangle 5"/>
-          <p:cNvSpPr/>
-          <p:nvPr/>
-        </p:nvSpPr>
-        <p:spPr>
-          <a:xfrm>
-            <a:off x="0" y="238125"/>
-            <a:ext cx="3038475" cy="347663"/>
-          </a:xfrm>
-          <a:prstGeom prst="rect">
-            <a:avLst/>
-          </a:prstGeom>
-          <a:noFill/>
-          <a:ln w="25400" cap="flat" cmpd="sng" algn="ctr">
-            <a:noFill/>
-            <a:prstDash val="solid"/>
-          </a:ln>
-          <a:effectLst/>
-          <a:extLst>
-            <a:ext uri="{909E8E84-426E-40DD-AFC4-6F175D3DCCD1}">
-              <a14:hiddenFill xmlns:a14="http://schemas.microsoft.com/office/drawing/2010/main">
-                <a:solidFill>
-                  <a:schemeClr val="accent1"/>
-                </a:solidFill>
-              </a14:hiddenFill>
-            </a:ext>
-            <a:ext uri="{91240B29-F687-4F45-9708-019B960494DF}">
-              <a14:hiddenLine xmlns:a14="http://schemas.microsoft.com/office/drawing/2010/main" w="25400" cap="flat" cmpd="sng" algn="ctr">
-                <a:solidFill>
-                  <a:schemeClr val="accent1">
-                    <a:shade val="50000"/>
-                  </a:schemeClr>
-                </a:solidFill>
-                <a:prstDash val="solid"/>
-              </a14:hiddenLine>
-            </a:ext>
-          </a:extLst>
-        </p:spPr>
-        <p:style>
-          <a:lnRef idx="2">
-            <a:schemeClr val="accent1">
-              <a:shade val="50000"/>
-            </a:schemeClr>
-          </a:lnRef>
-          <a:fillRef idx="1">
-            <a:schemeClr val="accent1"/>
-          </a:fillRef>
-          <a:effectRef idx="0">
-            <a:schemeClr val="accent1"/>
-          </a:effectRef>
-          <a:fontRef idx="minor">
-            <a:schemeClr val="lt1"/>
-          </a:fontRef>
-        </p:style>
-        <p:txBody>
-          <a:bodyPr rtlCol="0" anchor="ctr"/>
-          <a:lstStyle/>
-          <a:p>
-            <a:r>
-              <a:rPr lang="en-US" sz="1200" b="1">
-                <a:solidFill>
-                  <a:srgbClr val="336699"/>
-                </a:solidFill>
-                <a:latin typeface="Arial"/>
-              </a:rPr>
-              <a:t>01: Exploring ASP.NET Core MVC</a:t>
-            </a:r>
-          </a:p>
-        </p:txBody>
-      </p:sp>
-    </p:spTree>
-    <p:extLst>
-      <p:ext uri="{BB962C8B-B14F-4D97-AF65-F5344CB8AC3E}">
-        <p14:creationId xmlns:p14="http://schemas.microsoft.com/office/powerpoint/2010/main" val="1944282723"/>
       </p:ext>
     </p:extLst>
   </p:cSld>
@@ -20741,7 +19925,7 @@
           <a:p>
             <a:fld id="{FC69B7DB-8367-4EA5-BD31-DC3A1C807884}" type="datetimeFigureOut">
               <a:rPr lang="en-US" smtClean="0"/>
-              <a:t>11/14/2021</a:t>
+              <a:t>1/18/2022</a:t>
             </a:fld>
             <a:endParaRPr lang="en-US" dirty="0"/>
           </a:p>
@@ -21118,7 +20302,7 @@
           <a:p>
             <a:fld id="{FC69B7DB-8367-4EA5-BD31-DC3A1C807884}" type="datetimeFigureOut">
               <a:rPr lang="en-US" smtClean="0"/>
-              <a:t>11/14/2021</a:t>
+              <a:t>1/18/2022</a:t>
             </a:fld>
             <a:endParaRPr lang="en-US" dirty="0"/>
           </a:p>
@@ -21554,7 +20738,7 @@
           <a:p>
             <a:fld id="{FC69B7DB-8367-4EA5-BD31-DC3A1C807884}" type="datetimeFigureOut">
               <a:rPr lang="en-US" smtClean="0"/>
-              <a:t>11/14/2021</a:t>
+              <a:t>1/18/2022</a:t>
             </a:fld>
             <a:endParaRPr lang="en-US" dirty="0"/>
           </a:p>
@@ -22124,7 +21308,7 @@
           <a:p>
             <a:fld id="{FC69B7DB-8367-4EA5-BD31-DC3A1C807884}" type="datetimeFigureOut">
               <a:rPr lang="en-US" smtClean="0"/>
-              <a:t>11/14/2021</a:t>
+              <a:t>1/18/2022</a:t>
             </a:fld>
             <a:endParaRPr lang="en-US" dirty="0"/>
           </a:p>
@@ -22390,7 +21574,7 @@
           <a:p>
             <a:fld id="{FC69B7DB-8367-4EA5-BD31-DC3A1C807884}" type="datetimeFigureOut">
               <a:rPr lang="en-US" smtClean="0"/>
-              <a:t>11/14/2021</a:t>
+              <a:t>1/18/2022</a:t>
             </a:fld>
             <a:endParaRPr lang="en-US" dirty="0"/>
           </a:p>
@@ -22855,7 +22039,7 @@
           <a:p>
             <a:fld id="{FC69B7DB-8367-4EA5-BD31-DC3A1C807884}" type="datetimeFigureOut">
               <a:rPr lang="en-US" smtClean="0"/>
-              <a:t>11/14/2021</a:t>
+              <a:t>1/18/2022</a:t>
             </a:fld>
             <a:endParaRPr lang="en-US" dirty="0"/>
           </a:p>
@@ -23521,7 +22705,7 @@
           <a:p>
             <a:fld id="{FC69B7DB-8367-4EA5-BD31-DC3A1C807884}" type="datetimeFigureOut">
               <a:rPr lang="en-US" smtClean="0"/>
-              <a:t>11/14/2021</a:t>
+              <a:t>1/18/2022</a:t>
             </a:fld>
             <a:endParaRPr lang="en-US" dirty="0"/>
           </a:p>
@@ -23747,7 +22931,7 @@
           <a:p>
             <a:fld id="{FC69B7DB-8367-4EA5-BD31-DC3A1C807884}" type="datetimeFigureOut">
               <a:rPr lang="en-US" smtClean="0"/>
-              <a:t>11/14/2021</a:t>
+              <a:t>1/18/2022</a:t>
             </a:fld>
             <a:endParaRPr lang="en-US" dirty="0"/>
           </a:p>
@@ -23941,7 +23125,7 @@
           <a:p>
             <a:fld id="{FC69B7DB-8367-4EA5-BD31-DC3A1C807884}" type="datetimeFigureOut">
               <a:rPr lang="en-US" smtClean="0"/>
-              <a:t>11/14/2021</a:t>
+              <a:t>1/18/2022</a:t>
             </a:fld>
             <a:endParaRPr lang="en-US" dirty="0"/>
           </a:p>
@@ -44588,12 +43772,6 @@
           <a:p>
             <a:r>
               <a:rPr lang="en-US" sz="2000" dirty="0"/>
-              <a:t>Build client-side logic for ASP.NET Core apps using popular JavaScript frameworks, like Angular or React. </a:t>
-            </a:r>
-          </a:p>
-          <a:p>
-            <a:r>
-              <a:rPr lang="en-US" sz="2000" dirty="0"/>
               <a:t>ASP.NET Core provides project templates for Angular and React, and can be used with other JavaScript frameworks as well.</a:t>
             </a:r>
           </a:p>
@@ -45671,7 +44849,7 @@
           <a:p>
             <a:r>
               <a:rPr lang="en-US" sz="2400" dirty="0"/>
-              <a:t>Lesson 3: Introduction to ASP.NET Core MVC</a:t>
+              <a:t>Lesson 3: Introduction to ASP.NET Core</a:t>
             </a:r>
           </a:p>
         </p:txBody>
@@ -45699,7 +44877,7 @@
 Discussion: Choose between ASP.NET 4.x and ASP.NET Core
 Choose between .NET Core and .NET Framework
 Models, Views, and Controllers
-Demonstration: How to Explore an ASP.NET Core MVC Application</a:t>
+Demonstration: How to Explore an ASP.NET Core Application</a:t>
             </a:r>
           </a:p>
         </p:txBody>
@@ -47496,7 +46674,7 @@
           <a:p>
             <a:r>
               <a:rPr lang="en-US" sz="2400" dirty="0"/>
-              <a:t>Lab: Exploring ASP.NET Core MVC</a:t>
+              <a:t>Lab: Exploring ASP.NET Core</a:t>
             </a:r>
           </a:p>
         </p:txBody>
@@ -47520,9 +46698,7 @@
           <a:p>
             <a:r>
               <a:rPr lang="en-US" sz="2000" dirty="0"/>
-              <a:t>Exercise 1: Exploring a Razor Pages Application
-Exercise 2: Exploring a Web API Application
-Exercise 3: Exploring an MVC Application</a:t>
+              <a:t>Exercise 1: Exploring a Razor Pages Application</a:t>
             </a:r>
           </a:p>
         </p:txBody>
@@ -47551,7 +46727,7 @@
           <a:p>
             <a:r>
               <a:rPr lang="en-US" sz="2000" dirty="0"/>
-              <a:t>Estimated Time: 90 minutes</a:t>
+              <a:t>Estimated Time: 30 minutes</a:t>
             </a:r>
           </a:p>
         </p:txBody>
@@ -47617,7 +46793,7 @@
         <p:spPr>
           <a:xfrm>
             <a:off x="1165411" y="1488141"/>
-            <a:ext cx="10148047" cy="3477875"/>
+            <a:ext cx="10148047" cy="3170099"/>
           </a:xfrm>
           <a:prstGeom prst="rect">
             <a:avLst/>
@@ -47636,13 +46812,9 @@
               </a:spcBef>
             </a:pPr>
             <a:r>
-              <a:rPr lang="en-US" sz="2000" dirty="0">
-                <a:ea typeface="Calibri"/>
-                <a:cs typeface="Times New Roman"/>
-              </a:rPr>
-              <a:t>You are working as a junior developer at Adventure Works. You have been asked by a senior developer to investigate the possibility of creating a web-based ASP.NET Core MVC application for your organization's customers, similar to the one that the senior developer has seen on the internet. Such an application will promote a community of cyclists who use Adventure Works equipment, and the community members will be able to share their experiences. This initiative is intended to increase the popularity of Adventure Works Cycles, and thereby to increase their sales. You have been asked to begin the planning of the application. You have also been asked to examine programming models available to ASP.NET Core developers. To do this, you need to create basic web applications using three different models: Razor Pages, Web API, and MVC.</a:t>
-            </a:r>
-            <a:endParaRPr lang="en-US" sz="2000" dirty="0"/>
+              <a:rPr lang="en-US" sz="2000" dirty="0"/>
+              <a:t>You are working as a junior developer at Adventure Works. You have been asked by a senior developer to investigate the possibility of creating a web-based photo sharing application for your organization’s customers, similar to one that the senior developer has seen on the Internet. Such an application will promote a community of cyclists who use Adventure Works equipment, and the community members will be able to share their experiences. This initiative is intended to increase the popularity of Adventure Works Cycles, and thereby to increase sales. You have been asked to begin the planning of the application by examining an existing photo sharing application and evaluating its functionality. You have also been asked to examine programming models available to ASP.NET Core developers.</a:t>
+            </a:r>
           </a:p>
         </p:txBody>
       </p:sp>
@@ -47660,100 +46832,6 @@
 </file>
 
 <file path=ppt/slides/slide28.xml><?xml version="1.0" encoding="utf-8"?>
-<p:sld xmlns:a="http://schemas.openxmlformats.org/drawingml/2006/main" xmlns:r="http://schemas.openxmlformats.org/officeDocument/2006/relationships" xmlns:p="http://schemas.openxmlformats.org/presentationml/2006/main">
-  <p:cSld name="bb1a7c50-b8a8-40a7-85db-59081cad6e65">
-    <p:spTree>
-      <p:nvGrpSpPr>
-        <p:cNvPr id="1" name=""/>
-        <p:cNvGrpSpPr/>
-        <p:nvPr/>
-      </p:nvGrpSpPr>
-      <p:grpSpPr>
-        <a:xfrm>
-          <a:off x="0" y="0"/>
-          <a:ext cx="0" cy="0"/>
-          <a:chOff x="0" y="0"/>
-          <a:chExt cx="0" cy="0"/>
-        </a:xfrm>
-      </p:grpSpPr>
-      <p:sp>
-        <p:nvSpPr>
-          <p:cNvPr id="2" name="Title 1"/>
-          <p:cNvSpPr>
-            <a:spLocks noGrp="1"/>
-          </p:cNvSpPr>
-          <p:nvPr>
-            <p:ph type="title"/>
-          </p:nvPr>
-        </p:nvSpPr>
-        <p:spPr/>
-        <p:txBody>
-          <a:bodyPr/>
-          <a:lstStyle/>
-          <a:p>
-            <a:r>
-              <a:rPr lang="en-US" sz="2400"/>
-              <a:t>Lab Review</a:t>
-            </a:r>
-          </a:p>
-        </p:txBody>
-      </p:sp>
-      <p:sp>
-        <p:nvSpPr>
-          <p:cNvPr id="3" name="Text Placeholder 2"/>
-          <p:cNvSpPr>
-            <a:spLocks noGrp="1"/>
-          </p:cNvSpPr>
-          <p:nvPr>
-            <p:ph type="body" idx="1"/>
-          </p:nvPr>
-        </p:nvSpPr>
-        <p:spPr/>
-        <p:txBody>
-          <a:bodyPr>
-            <a:normAutofit/>
-          </a:bodyPr>
-          <a:lstStyle/>
-          <a:p>
-            <a:r>
-              <a:rPr lang="en-US" sz="2000" dirty="0"/>
-              <a:t>Which of the three programming models has the simplest method of applying a single layout across multiple pages?
-A member of your team replaced the line return View(model); in the Details action of the </a:t>
-            </a:r>
-            <a:r>
-              <a:rPr lang="en-US" sz="2000" dirty="0" err="1"/>
-              <a:t>AnimalController</a:t>
-            </a:r>
-            <a:r>
-              <a:rPr lang="en-US" sz="2000" dirty="0"/>
-              <a:t> class with the line return View();. What will happen when the Details action is called?
-When you run the </a:t>
-            </a:r>
-            <a:r>
-              <a:rPr lang="en-US" sz="2000" dirty="0" err="1"/>
-              <a:t>CakeStoreApi</a:t>
-            </a:r>
-            <a:r>
-              <a:rPr lang="en-US" sz="2000" dirty="0"/>
-              <a:t> application, the browser displays value1 and value2. You want to display your first name and your last name instead. What will you have to do to achieve your goal?</a:t>
-            </a:r>
-          </a:p>
-        </p:txBody>
-      </p:sp>
-    </p:spTree>
-    <p:extLst>
-      <p:ext uri="{BB962C8B-B14F-4D97-AF65-F5344CB8AC3E}">
-        <p14:creationId xmlns:p14="http://schemas.microsoft.com/office/powerpoint/2010/main" val="1450044356"/>
-      </p:ext>
-    </p:extLst>
-  </p:cSld>
-  <p:clrMapOvr>
-    <a:masterClrMapping/>
-  </p:clrMapOvr>
-</p:sld>
-</file>
-
-<file path=ppt/slides/slide29.xml><?xml version="1.0" encoding="utf-8"?>
 <p:sld xmlns:a="http://schemas.openxmlformats.org/drawingml/2006/main" xmlns:r="http://schemas.openxmlformats.org/officeDocument/2006/relationships" xmlns:p="http://schemas.openxmlformats.org/presentationml/2006/main">
   <p:cSld name="Module_Review">
     <p:spTree>
@@ -47822,6 +46900,74 @@
     <p:extLst>
       <p:ext uri="{BB962C8B-B14F-4D97-AF65-F5344CB8AC3E}">
         <p14:creationId xmlns:p14="http://schemas.microsoft.com/office/powerpoint/2010/main" val="4291695216"/>
+      </p:ext>
+    </p:extLst>
+  </p:cSld>
+  <p:clrMapOvr>
+    <a:masterClrMapping/>
+  </p:clrMapOvr>
+</p:sld>
+</file>
+
+<file path=ppt/slides/slide29.xml><?xml version="1.0" encoding="utf-8"?>
+<p:sld xmlns:a="http://schemas.openxmlformats.org/drawingml/2006/main" xmlns:r="http://schemas.openxmlformats.org/officeDocument/2006/relationships" xmlns:p="http://schemas.openxmlformats.org/presentationml/2006/main" show="0">
+  <p:cSld>
+    <p:spTree>
+      <p:nvGrpSpPr>
+        <p:cNvPr id="1" name=""/>
+        <p:cNvGrpSpPr/>
+        <p:nvPr/>
+      </p:nvGrpSpPr>
+      <p:grpSpPr>
+        <a:xfrm>
+          <a:off x="0" y="0"/>
+          <a:ext cx="0" cy="0"/>
+          <a:chOff x="0" y="0"/>
+          <a:chExt cx="0" cy="0"/>
+        </a:xfrm>
+      </p:grpSpPr>
+      <p:sp>
+        <p:nvSpPr>
+          <p:cNvPr id="2" name="Title 1"/>
+          <p:cNvSpPr>
+            <a:spLocks noGrp="1"/>
+          </p:cNvSpPr>
+          <p:nvPr>
+            <p:ph type="title"/>
+          </p:nvPr>
+        </p:nvSpPr>
+        <p:spPr/>
+        <p:txBody>
+          <a:bodyPr/>
+          <a:lstStyle/>
+          <a:p>
+            <a:endParaRPr lang="en-US"/>
+          </a:p>
+        </p:txBody>
+      </p:sp>
+      <p:sp>
+        <p:nvSpPr>
+          <p:cNvPr id="3" name="Text Placeholder 2"/>
+          <p:cNvSpPr>
+            <a:spLocks noGrp="1"/>
+          </p:cNvSpPr>
+          <p:nvPr>
+            <p:ph type="body" idx="1"/>
+          </p:nvPr>
+        </p:nvSpPr>
+        <p:spPr/>
+        <p:txBody>
+          <a:bodyPr/>
+          <a:lstStyle/>
+          <a:p>
+            <a:endParaRPr lang="en-US"/>
+          </a:p>
+        </p:txBody>
+      </p:sp>
+    </p:spTree>
+    <p:extLst>
+      <p:ext uri="{BB962C8B-B14F-4D97-AF65-F5344CB8AC3E}">
+        <p14:creationId xmlns:p14="http://schemas.microsoft.com/office/powerpoint/2010/main" val="2544054412"/>
       </p:ext>
     </p:extLst>
   </p:cSld>
@@ -47906,74 +47052,6 @@
     <p:extLst>
       <p:ext uri="{BB962C8B-B14F-4D97-AF65-F5344CB8AC3E}">
         <p14:creationId xmlns:p14="http://schemas.microsoft.com/office/powerpoint/2010/main" val="3193673413"/>
-      </p:ext>
-    </p:extLst>
-  </p:cSld>
-  <p:clrMapOvr>
-    <a:masterClrMapping/>
-  </p:clrMapOvr>
-</p:sld>
-</file>
-
-<file path=ppt/slides/slide30.xml><?xml version="1.0" encoding="utf-8"?>
-<p:sld xmlns:a="http://schemas.openxmlformats.org/drawingml/2006/main" xmlns:r="http://schemas.openxmlformats.org/officeDocument/2006/relationships" xmlns:p="http://schemas.openxmlformats.org/presentationml/2006/main" show="0">
-  <p:cSld>
-    <p:spTree>
-      <p:nvGrpSpPr>
-        <p:cNvPr id="1" name=""/>
-        <p:cNvGrpSpPr/>
-        <p:nvPr/>
-      </p:nvGrpSpPr>
-      <p:grpSpPr>
-        <a:xfrm>
-          <a:off x="0" y="0"/>
-          <a:ext cx="0" cy="0"/>
-          <a:chOff x="0" y="0"/>
-          <a:chExt cx="0" cy="0"/>
-        </a:xfrm>
-      </p:grpSpPr>
-      <p:sp>
-        <p:nvSpPr>
-          <p:cNvPr id="2" name="Title 1"/>
-          <p:cNvSpPr>
-            <a:spLocks noGrp="1"/>
-          </p:cNvSpPr>
-          <p:nvPr>
-            <p:ph type="title"/>
-          </p:nvPr>
-        </p:nvSpPr>
-        <p:spPr/>
-        <p:txBody>
-          <a:bodyPr/>
-          <a:lstStyle/>
-          <a:p>
-            <a:endParaRPr lang="en-US"/>
-          </a:p>
-        </p:txBody>
-      </p:sp>
-      <p:sp>
-        <p:nvSpPr>
-          <p:cNvPr id="3" name="Text Placeholder 2"/>
-          <p:cNvSpPr>
-            <a:spLocks noGrp="1"/>
-          </p:cNvSpPr>
-          <p:nvPr>
-            <p:ph type="body" idx="1"/>
-          </p:nvPr>
-        </p:nvSpPr>
-        <p:spPr/>
-        <p:txBody>
-          <a:bodyPr/>
-          <a:lstStyle/>
-          <a:p>
-            <a:endParaRPr lang="en-US"/>
-          </a:p>
-        </p:txBody>
-      </p:sp>
-    </p:spTree>
-    <p:extLst>
-      <p:ext uri="{BB962C8B-B14F-4D97-AF65-F5344CB8AC3E}">
-        <p14:creationId xmlns:p14="http://schemas.microsoft.com/office/powerpoint/2010/main" val="2544054412"/>
       </p:ext>
     </p:extLst>
   </p:cSld>
